--- a/fig/fig.pptx
+++ b/fig/fig.pptx
@@ -4806,7 +4806,7 @@
       <p:grpSpPr/>
       <p:pic>
         <p:nvPicPr>
-          <p:cNvPr id="4" name="图片 3" descr="mag_topic_rel_matrix"/>
+          <p:cNvPr id="2" name="图片 1" descr="mag_topic_rel_matrix"/>
           <p:cNvPicPr>
             <a:picLocks noChangeAspect="1"/>
           </p:cNvPicPr>
@@ -4820,7 +4820,7 @@
         </p:blipFill>
         <p:spPr>
           <a:xfrm>
-            <a:off x="2021205" y="499110"/>
+            <a:off x="2021205" y="505460"/>
             <a:ext cx="6858000" cy="5486400"/>
           </a:xfrm>
           <a:prstGeom prst="rect">

--- a/fig/fig.pptx
+++ b/fig/fig.pptx
@@ -4806,7 +4806,7 @@
       <p:grpSpPr/>
       <p:pic>
         <p:nvPicPr>
-          <p:cNvPr id="2" name="图片 1" descr="mag_topic_rel_matrix"/>
+          <p:cNvPr id="3" name="图片 2" descr="mag_topic_rel_matrix"/>
           <p:cNvPicPr>
             <a:picLocks noChangeAspect="1"/>
           </p:cNvPicPr>
@@ -4820,7 +4820,7 @@
         </p:blipFill>
         <p:spPr>
           <a:xfrm>
-            <a:off x="2021205" y="505460"/>
+            <a:off x="2021205" y="511810"/>
             <a:ext cx="6858000" cy="5486400"/>
           </a:xfrm>
           <a:prstGeom prst="rect">
